--- a/Slides/0916Recitation.pptx
+++ b/Slides/0916Recitation.pptx
@@ -914,6 +914,90 @@
     <p:extLst>
       <p:ext uri="{BB962C8B-B14F-4D97-AF65-F5344CB8AC3E}">
         <p14:creationId xmlns:p14="http://schemas.microsoft.com/office/powerpoint/2010/main" val="1142165786"/>
+      </p:ext>
+    </p:extLst>
+  </p:cSld>
+  <p:clrMapOvr>
+    <a:masterClrMapping/>
+  </p:clrMapOvr>
+</p:notes>
+</file>
+
+<file path=ppt/notesSlides/notesSlide6.xml><?xml version="1.0" encoding="utf-8"?>
+<p:notes xmlns:a="http://schemas.openxmlformats.org/drawingml/2006/main" xmlns:r="http://schemas.openxmlformats.org/officeDocument/2006/relationships" xmlns:p="http://schemas.openxmlformats.org/presentationml/2006/main">
+  <p:cSld>
+    <p:spTree>
+      <p:nvGrpSpPr>
+        <p:cNvPr id="1" name=""/>
+        <p:cNvGrpSpPr/>
+        <p:nvPr/>
+      </p:nvGrpSpPr>
+      <p:grpSpPr>
+        <a:xfrm>
+          <a:off x="0" y="0"/>
+          <a:ext cx="0" cy="0"/>
+          <a:chOff x="0" y="0"/>
+          <a:chExt cx="0" cy="0"/>
+        </a:xfrm>
+      </p:grpSpPr>
+      <p:sp>
+        <p:nvSpPr>
+          <p:cNvPr id="2" name="Slide Image Placeholder 1"/>
+          <p:cNvSpPr>
+            <a:spLocks noGrp="1" noRot="1" noChangeAspect="1"/>
+          </p:cNvSpPr>
+          <p:nvPr>
+            <p:ph type="sldImg"/>
+          </p:nvPr>
+        </p:nvSpPr>
+        <p:spPr/>
+      </p:sp>
+      <p:sp>
+        <p:nvSpPr>
+          <p:cNvPr id="3" name="Notes Placeholder 2"/>
+          <p:cNvSpPr>
+            <a:spLocks noGrp="1"/>
+          </p:cNvSpPr>
+          <p:nvPr>
+            <p:ph type="body" idx="1"/>
+          </p:nvPr>
+        </p:nvSpPr>
+        <p:spPr/>
+        <p:txBody>
+          <a:bodyPr/>
+          <a:lstStyle/>
+          <a:p>
+            <a:endParaRPr lang="en-US"/>
+          </a:p>
+        </p:txBody>
+      </p:sp>
+      <p:sp>
+        <p:nvSpPr>
+          <p:cNvPr id="4" name="Slide Number Placeholder 3"/>
+          <p:cNvSpPr>
+            <a:spLocks noGrp="1"/>
+          </p:cNvSpPr>
+          <p:nvPr>
+            <p:ph type="sldNum" sz="quarter" idx="5"/>
+          </p:nvPr>
+        </p:nvSpPr>
+        <p:spPr/>
+        <p:txBody>
+          <a:bodyPr/>
+          <a:lstStyle/>
+          <a:p>
+            <a:fld id="{12AC35DA-9462-6A4F-A7AC-CDD8C541B644}" type="slidenum">
+              <a:rPr lang="en-US" smtClean="0"/>
+              <a:t>11</a:t>
+            </a:fld>
+            <a:endParaRPr lang="en-US"/>
+          </a:p>
+        </p:txBody>
+      </p:sp>
+    </p:spTree>
+    <p:extLst>
+      <p:ext uri="{BB962C8B-B14F-4D97-AF65-F5344CB8AC3E}">
+        <p14:creationId xmlns:p14="http://schemas.microsoft.com/office/powerpoint/2010/main" val="771750672"/>
       </p:ext>
     </p:extLst>
   </p:cSld>
@@ -8266,7 +8350,7 @@
           <p:nvPr/>
         </p:nvPicPr>
         <p:blipFill>
-          <a:blip r:embed="rId2">
+          <a:blip r:embed="rId3">
             <a:extLst>
               <a:ext uri="{28A0092B-C50C-407E-A947-70E740481C1C}">
                 <a14:useLocalDpi xmlns:a14="http://schemas.microsoft.com/office/drawing/2010/main" val="0"/>
@@ -8375,7 +8459,7 @@
         </p:spPr>
         <p:txBody>
           <a:bodyPr>
-            <a:normAutofit/>
+            <a:normAutofit fontScale="92500"/>
           </a:bodyPr>
           <a:lstStyle/>
           <a:p>
@@ -8385,7 +8469,7 @@
               </a:lnSpc>
             </a:pPr>
             <a:r>
-              <a:rPr lang="en-US" sz="1700">
+              <a:rPr lang="en-US" sz="1700" dirty="0">
                 <a:solidFill>
                   <a:srgbClr val="EBEBEB"/>
                 </a:solidFill>
@@ -8400,7 +8484,7 @@
               </a:lnSpc>
             </a:pPr>
             <a:r>
-              <a:rPr lang="en-US" sz="1700">
+              <a:rPr lang="en-US" sz="1700" dirty="0">
                 <a:solidFill>
                   <a:srgbClr val="EBEBEB"/>
                 </a:solidFill>
@@ -8415,7 +8499,7 @@
               </a:lnSpc>
             </a:pPr>
             <a:r>
-              <a:rPr lang="en-US" sz="1700">
+              <a:rPr lang="en-US" sz="1700" dirty="0">
                 <a:solidFill>
                   <a:srgbClr val="EBEBEB"/>
                 </a:solidFill>
@@ -8430,7 +8514,7 @@
               </a:lnSpc>
             </a:pPr>
             <a:r>
-              <a:rPr lang="en-US" sz="1700">
+              <a:rPr lang="en-US" sz="1700" dirty="0">
                 <a:solidFill>
                   <a:srgbClr val="EBEBEB"/>
                 </a:solidFill>
@@ -8439,13 +8523,28 @@
             </a:r>
           </a:p>
           <a:p>
+            <a:pPr lvl="1">
+              <a:lnSpc>
+                <a:spcPct val="90000"/>
+              </a:lnSpc>
+            </a:pPr>
+            <a:r>
+              <a:rPr lang="en-US" sz="1700" dirty="0">
+                <a:solidFill>
+                  <a:srgbClr val="EBEBEB"/>
+                </a:solidFill>
+              </a:rPr>
+              <a:t>Remember, these are constants so be sure to use final.</a:t>
+            </a:r>
+          </a:p>
+          <a:p>
             <a:pPr marL="0" indent="0">
               <a:lnSpc>
                 <a:spcPct val="90000"/>
               </a:lnSpc>
               <a:buNone/>
             </a:pPr>
-            <a:endParaRPr lang="en-US" sz="1700">
+            <a:endParaRPr lang="en-US" sz="1700" dirty="0">
               <a:solidFill>
                 <a:srgbClr val="EBEBEB"/>
               </a:solidFill>
